--- a/PowerPoints/16 - Records.pptx
+++ b/PowerPoints/16 - Records.pptx
@@ -8680,8 +8680,8 @@
         </p:nvSpPr>
         <p:spPr>
           <a:xfrm>
-            <a:off x="3136900" y="3257490"/>
-            <a:ext cx="4742004" cy="707886"/>
+            <a:off x="2971800" y="3257490"/>
+            <a:ext cx="5069016" cy="707886"/>
           </a:xfrm>
           <a:prstGeom prst="rect">
             <a:avLst/>
@@ -8709,75 +8709,8 @@
             <a:pPr algn="l"/>
             <a:r>
               <a:rPr lang="en-US" sz="2000" dirty="0"/>
-              <a:t>lambda expression to compute size.</a:t>
-            </a:r>
-          </a:p>
-        </p:txBody>
-      </p:sp>
-      <p:sp>
-        <p:nvSpPr>
-          <p:cNvPr id="7" name="Diamond 6">
-            <a:extLst>
-              <a:ext uri="{FF2B5EF4-FFF2-40B4-BE49-F238E27FC236}">
-                <a16:creationId xmlns:a16="http://schemas.microsoft.com/office/drawing/2014/main" id="{203EE6A7-B59B-BD0E-1E19-E1FC652B28C5}"/>
-              </a:ext>
-            </a:extLst>
-          </p:cNvPr>
-          <p:cNvSpPr/>
-          <p:nvPr/>
-        </p:nvSpPr>
-        <p:spPr bwMode="auto">
-          <a:xfrm>
-            <a:off x="5416449" y="2444690"/>
-            <a:ext cx="182880" cy="166255"/>
-          </a:xfrm>
-          <a:prstGeom prst="diamond">
-            <a:avLst/>
-          </a:prstGeom>
-          <a:noFill/>
-          <a:ln w="9525" cap="flat" cmpd="sng" algn="ctr">
-            <a:noFill/>
-            <a:prstDash val="solid"/>
-            <a:round/>
-            <a:headEnd type="none" w="med" len="med"/>
-            <a:tailEnd type="none" w="med" len="med"/>
-          </a:ln>
-          <a:effectLst/>
-        </p:spPr>
-        <p:txBody>
-          <a:bodyPr vert="horz" wrap="none" lIns="92075" tIns="46038" rIns="92075" bIns="46038" numCol="1" rtlCol="0" anchor="ctr" anchorCtr="0" compatLnSpc="1">
-            <a:prstTxWarp prst="textNoShape">
-              <a:avLst/>
-            </a:prstTxWarp>
-          </a:bodyPr>
-          <a:lstStyle/>
-          <a:p>
-            <a:pPr marL="0" marR="0" indent="0" algn="ctr" defTabSz="914400" rtl="0" eaLnBrk="0" fontAlgn="base" latinLnBrk="0" hangingPunct="0">
-              <a:lnSpc>
-                <a:spcPct val="100000"/>
-              </a:lnSpc>
-              <a:spcBef>
-                <a:spcPct val="0"/>
-              </a:spcBef>
-              <a:spcAft>
-                <a:spcPct val="0"/>
-              </a:spcAft>
-              <a:buClrTx/>
-              <a:buSzTx/>
-              <a:buFontTx/>
-              <a:buNone/>
-              <a:tabLst/>
-            </a:pPr>
-            <a:endParaRPr kumimoji="0" lang="en-US" sz="2400" b="0" i="0" u="none" strike="noStrike" cap="none" normalizeH="0" baseline="0" dirty="0">
-              <a:ln>
-                <a:noFill/>
-              </a:ln>
-              <a:solidFill>
-                <a:schemeClr val="tx1"/>
-              </a:solidFill>
-              <a:effectLst/>
-              <a:latin typeface="Arial" charset="0"/>
-            </a:endParaRPr>
+              <a:t>lambda expression to compute record size.</a:t>
+            </a:r>
           </a:p>
         </p:txBody>
       </p:sp>
@@ -8798,9 +8731,9 @@
           <p:nvPr/>
         </p:nvCxnSpPr>
         <p:spPr bwMode="auto">
-          <a:xfrm flipH="1" flipV="1">
-            <a:off x="5507889" y="2610945"/>
-            <a:ext cx="13" cy="646545"/>
+          <a:xfrm flipV="1">
+            <a:off x="5506308" y="2610945"/>
+            <a:ext cx="0" cy="646545"/>
           </a:xfrm>
           <a:prstGeom prst="straightConnector1">
             <a:avLst/>
@@ -8818,6 +8751,73 @@
           <a:effectLst/>
         </p:spPr>
       </p:cxnSp>
+      <p:sp>
+        <p:nvSpPr>
+          <p:cNvPr id="7" name="Diamond 6">
+            <a:extLst>
+              <a:ext uri="{FF2B5EF4-FFF2-40B4-BE49-F238E27FC236}">
+                <a16:creationId xmlns:a16="http://schemas.microsoft.com/office/drawing/2014/main" id="{203EE6A7-B59B-BD0E-1E19-E1FC652B28C5}"/>
+              </a:ext>
+            </a:extLst>
+          </p:cNvPr>
+          <p:cNvSpPr/>
+          <p:nvPr/>
+        </p:nvSpPr>
+        <p:spPr bwMode="auto">
+          <a:xfrm>
+            <a:off x="5414868" y="2444690"/>
+            <a:ext cx="182880" cy="166255"/>
+          </a:xfrm>
+          <a:prstGeom prst="diamond">
+            <a:avLst/>
+          </a:prstGeom>
+          <a:noFill/>
+          <a:ln w="9525" cap="flat" cmpd="sng" algn="ctr">
+            <a:noFill/>
+            <a:prstDash val="solid"/>
+            <a:round/>
+            <a:headEnd type="none" w="med" len="med"/>
+            <a:tailEnd type="none" w="med" len="med"/>
+          </a:ln>
+          <a:effectLst/>
+        </p:spPr>
+        <p:txBody>
+          <a:bodyPr vert="horz" wrap="none" lIns="92075" tIns="46038" rIns="92075" bIns="46038" numCol="1" rtlCol="0" anchor="ctr" anchorCtr="0" compatLnSpc="1">
+            <a:prstTxWarp prst="textNoShape">
+              <a:avLst/>
+            </a:prstTxWarp>
+          </a:bodyPr>
+          <a:lstStyle/>
+          <a:p>
+            <a:pPr marL="0" marR="0" indent="0" algn="ctr" defTabSz="914400" rtl="0" eaLnBrk="0" fontAlgn="base" latinLnBrk="0" hangingPunct="0">
+              <a:lnSpc>
+                <a:spcPct val="100000"/>
+              </a:lnSpc>
+              <a:spcBef>
+                <a:spcPct val="0"/>
+              </a:spcBef>
+              <a:spcAft>
+                <a:spcPct val="0"/>
+              </a:spcAft>
+              <a:buClrTx/>
+              <a:buSzTx/>
+              <a:buFontTx/>
+              <a:buNone/>
+              <a:tabLst/>
+            </a:pPr>
+            <a:endParaRPr kumimoji="0" lang="en-US" sz="2400" b="0" i="0" u="none" strike="noStrike" cap="none" normalizeH="0" baseline="0" dirty="0">
+              <a:ln>
+                <a:noFill/>
+              </a:ln>
+              <a:solidFill>
+                <a:schemeClr val="tx1"/>
+              </a:solidFill>
+              <a:effectLst/>
+              <a:latin typeface="Arial" charset="0"/>
+            </a:endParaRPr>
+          </a:p>
+        </p:txBody>
+      </p:sp>
     </p:spTree>
     <p:extLst>
       <p:ext uri="{BB962C8B-B14F-4D97-AF65-F5344CB8AC3E}">
@@ -9429,7 +9429,7 @@
         </p:nvSpPr>
         <p:spPr>
           <a:xfrm>
-            <a:off x="1193125" y="4599194"/>
+            <a:off x="1387475" y="4599194"/>
             <a:ext cx="6369051" cy="1015663"/>
           </a:xfrm>
           <a:prstGeom prst="rect">
@@ -11498,7 +11498,7 @@
           <a:p>
             <a:pPr lvl="1">
               <a:spcBef>
-                <a:spcPts val="0"/>
+                <a:spcPts val="500"/>
               </a:spcBef>
               <a:spcAft>
                 <a:spcPts val="200"/>
@@ -11615,7 +11615,7 @@
                 <a:latin typeface="Consolas" pitchFamily="49" charset="0"/>
                 <a:cs typeface="Consolas" pitchFamily="49" charset="0"/>
               </a:rPr>
-              <a:t>type Rectangle = record                 // fields are records</a:t>
+              <a:t>type Rectangle = record        // fields are records</a:t>
             </a:r>
           </a:p>
           <a:p>
@@ -12564,58 +12564,52 @@
               <a:buNone/>
             </a:pPr>
             <a:r>
+              <a:rPr lang="en-US" dirty="0">
+                <a:latin typeface="Consolas" panose="020B0609020204030204" pitchFamily="49" charset="0"/>
+              </a:rPr>
+              <a:t>var </a:t>
+            </a:r>
+            <a:r>
               <a:rPr lang="en-US" dirty="0" err="1">
                 <a:latin typeface="Consolas" panose="020B0609020204030204" pitchFamily="49" charset="0"/>
               </a:rPr>
-              <a:t>FieldExpr</a:t>
+              <a:t>fieldExpr</a:t>
             </a:r>
             <a:r>
               <a:rPr lang="en-US" dirty="0">
                 <a:latin typeface="Consolas" panose="020B0609020204030204" pitchFamily="49" charset="0"/>
               </a:rPr>
-              <a:t> </a:t>
+              <a:t> = (</a:t>
             </a:r>
             <a:r>
               <a:rPr lang="en-US" dirty="0" err="1">
                 <a:latin typeface="Consolas" panose="020B0609020204030204" pitchFamily="49" charset="0"/>
               </a:rPr>
-              <a:t>fieldExpr</a:t>
+              <a:t>FieldExpr</a:t>
             </a:r>
             <a:r>
               <a:rPr lang="en-US" dirty="0">
                 <a:latin typeface="Consolas" panose="020B0609020204030204" pitchFamily="49" charset="0"/>
               </a:rPr>
-              <a:t> = (</a:t>
-            </a:r>
+              <a:t>) expr;</a:t>
+            </a:r>
+          </a:p>
+          <a:p>
+            <a:pPr lvl="1"/>
+            <a:r>
+              <a:rPr lang="en-US" dirty="0"/>
+              <a:t>Generate code for the offset of the field.</a:t>
+            </a:r>
+          </a:p>
+          <a:p>
+            <a:pPr marL="914400" lvl="2" indent="0">
+              <a:buNone/>
+            </a:pPr>
             <a:r>
               <a:rPr lang="en-US" dirty="0" err="1">
                 <a:latin typeface="Consolas" panose="020B0609020204030204" pitchFamily="49" charset="0"/>
               </a:rPr>
-              <a:t>FieldExpr</a:t>
-            </a:r>
-            <a:r>
-              <a:rPr lang="en-US" dirty="0">
-                <a:latin typeface="Consolas" panose="020B0609020204030204" pitchFamily="49" charset="0"/>
-              </a:rPr>
-              <a:t>) expr;</a:t>
-            </a:r>
-          </a:p>
-          <a:p>
-            <a:pPr lvl="1"/>
-            <a:r>
-              <a:rPr lang="en-US" dirty="0"/>
-              <a:t>Generate code for the offset of the field.</a:t>
-            </a:r>
-          </a:p>
-          <a:p>
-            <a:pPr marL="914400" lvl="2" indent="0">
-              <a:buNone/>
-            </a:pPr>
-            <a:r>
-              <a:rPr lang="en-US" dirty="0" err="1">
-                <a:latin typeface="Consolas" panose="020B0609020204030204" pitchFamily="49" charset="0"/>
-              </a:rPr>
-              <a:t>expr.emit</a:t>
+              <a:t>fieldExpr.emit</a:t>
             </a:r>
             <a:r>
               <a:rPr lang="en-US" dirty="0">
@@ -12750,7 +12744,7 @@
         </p:nvSpPr>
         <p:spPr>
           <a:xfrm>
-            <a:off x="1369040" y="5329704"/>
+            <a:off x="1369040" y="5296251"/>
             <a:ext cx="6405921" cy="969496"/>
           </a:xfrm>
           <a:prstGeom prst="rect">

--- a/PowerPoints/16 - Records.pptx
+++ b/PowerPoints/16 - Records.pptx
@@ -6085,11 +6085,18 @@
               <a:t>paramId</a:t>
             </a:r>
             <a:r>
+              <a:rPr lang="en-US" sz="1800">
+                <a:latin typeface="Consolas" pitchFamily="49" charset="0"/>
+                <a:cs typeface="Consolas" pitchFamily="49" charset="0"/>
+              </a:rPr>
+              <a:t> ) </a:t>
+            </a:r>
+            <a:r>
               <a:rPr lang="en-US" sz="1800" dirty="0">
                 <a:latin typeface="Consolas" pitchFamily="49" charset="0"/>
                 <a:cs typeface="Consolas" pitchFamily="49" charset="0"/>
               </a:rPr>
-              <a:t>) { </a:t>
+              <a:t>{ </a:t>
             </a:r>
             <a:r>
               <a:rPr lang="en-US" sz="1800" dirty="0" err="1">

--- a/PowerPoints/16 - Records.pptx
+++ b/PowerPoints/16 - Records.pptx
@@ -6475,66 +6475,6 @@
             </a:r>
             <a:r>
               <a:rPr lang="en-US" sz="2000" dirty="0">
-                <a:latin typeface="Consolas" pitchFamily="49" charset="0"/>
-                <a:cs typeface="Consolas" pitchFamily="49" charset="0"/>
-              </a:rPr>
-              <a:t>()</a:t>
-            </a:r>
-          </a:p>
-          <a:p>
-            <a:r>
-              <a:rPr lang="fr-FR" sz="2000" dirty="0" err="1">
-                <a:latin typeface="Consolas" pitchFamily="49" charset="0"/>
-                <a:cs typeface="Consolas" pitchFamily="49" charset="0"/>
-              </a:rPr>
-              <a:t>private</a:t>
-            </a:r>
-            <a:r>
-              <a:rPr lang="fr-FR" sz="2000" dirty="0">
-                <a:latin typeface="Consolas" pitchFamily="49" charset="0"/>
-                <a:cs typeface="Consolas" pitchFamily="49" charset="0"/>
-              </a:rPr>
-              <a:t> Expression </a:t>
-            </a:r>
-            <a:r>
-              <a:rPr lang="fr-FR" sz="2000" dirty="0" err="1">
-                <a:latin typeface="Consolas" pitchFamily="49" charset="0"/>
-                <a:cs typeface="Consolas" pitchFamily="49" charset="0"/>
-              </a:rPr>
-              <a:t>parseIndexExpr</a:t>
-            </a:r>
-            <a:r>
-              <a:rPr lang="fr-FR" sz="2000" dirty="0">
-                <a:latin typeface="Consolas" pitchFamily="49" charset="0"/>
-                <a:cs typeface="Consolas" pitchFamily="49" charset="0"/>
-              </a:rPr>
-              <a:t>()</a:t>
-            </a:r>
-          </a:p>
-          <a:p>
-            <a:r>
-              <a:rPr lang="fr-FR" sz="2000" dirty="0" err="1">
-                <a:latin typeface="Consolas" pitchFamily="49" charset="0"/>
-                <a:cs typeface="Consolas" pitchFamily="49" charset="0"/>
-              </a:rPr>
-              <a:t>private</a:t>
-            </a:r>
-            <a:r>
-              <a:rPr lang="fr-FR" sz="2000" dirty="0">
-                <a:latin typeface="Consolas" pitchFamily="49" charset="0"/>
-                <a:cs typeface="Consolas" pitchFamily="49" charset="0"/>
-              </a:rPr>
-              <a:t> Expression </a:t>
-            </a:r>
-            <a:r>
-              <a:rPr lang="fr-FR" sz="2000" dirty="0" err="1">
-                <a:latin typeface="Consolas" pitchFamily="49" charset="0"/>
-                <a:cs typeface="Consolas" pitchFamily="49" charset="0"/>
-              </a:rPr>
-              <a:t>parseFieldExpr</a:t>
-            </a:r>
-            <a:r>
-              <a:rPr lang="fr-FR" sz="2000" dirty="0">
                 <a:latin typeface="Consolas" pitchFamily="49" charset="0"/>
                 <a:cs typeface="Consolas" pitchFamily="49" charset="0"/>
               </a:rPr>

--- a/PowerPoints/16 - Records.pptx
+++ b/PowerPoints/16 - Records.pptx
@@ -6085,18 +6085,11 @@
               <a:t>paramId</a:t>
             </a:r>
             <a:r>
-              <a:rPr lang="en-US" sz="1800">
-                <a:latin typeface="Consolas" pitchFamily="49" charset="0"/>
-                <a:cs typeface="Consolas" pitchFamily="49" charset="0"/>
-              </a:rPr>
-              <a:t> ) </a:t>
-            </a:r>
-            <a:r>
               <a:rPr lang="en-US" sz="1800" dirty="0">
                 <a:latin typeface="Consolas" pitchFamily="49" charset="0"/>
                 <a:cs typeface="Consolas" pitchFamily="49" charset="0"/>
               </a:rPr>
-              <a:t>{ </a:t>
+              <a:t> ) { </a:t>
             </a:r>
             <a:r>
               <a:rPr lang="en-US" sz="1800" dirty="0" err="1">
@@ -6125,42 +6118,6 @@
                 <a:cs typeface="Consolas" pitchFamily="49" charset="0"/>
               </a:rPr>
               <a:t> } .</a:t>
-            </a:r>
-          </a:p>
-          <a:p>
-            <a:pPr marL="182880" indent="0">
-              <a:spcBef>
-                <a:spcPts val="0"/>
-              </a:spcBef>
-              <a:buFontTx/>
-              <a:buNone/>
-            </a:pPr>
-            <a:endParaRPr lang="en-US" sz="1800" dirty="0">
-              <a:latin typeface="Consolas" pitchFamily="49" charset="0"/>
-              <a:cs typeface="Consolas" pitchFamily="49" charset="0"/>
-            </a:endParaRPr>
-          </a:p>
-          <a:p>
-            <a:pPr marL="182880" indent="0">
-              <a:spcBef>
-                <a:spcPts val="0"/>
-              </a:spcBef>
-              <a:buFontTx/>
-              <a:buNone/>
-            </a:pPr>
-            <a:r>
-              <a:rPr lang="en-US" sz="1800" dirty="0" err="1">
-                <a:latin typeface="Consolas" pitchFamily="49" charset="0"/>
-                <a:cs typeface="Consolas" pitchFamily="49" charset="0"/>
-              </a:rPr>
-              <a:t>indexExpr</a:t>
-            </a:r>
-            <a:r>
-              <a:rPr lang="en-US" sz="1800" dirty="0">
-                <a:latin typeface="Consolas" pitchFamily="49" charset="0"/>
-                <a:cs typeface="Consolas" pitchFamily="49" charset="0"/>
-              </a:rPr>
-              <a:t>  = "[" expression "]" .</a:t>
             </a:r>
           </a:p>
           <a:p>
